--- a/Note/笔记作图.pptx
+++ b/Note/笔记作图.pptx
@@ -6,6 +6,7 @@
   </p:sldMasterIdLst>
   <p:sldIdLst>
     <p:sldId id="256" r:id="rId2"/>
+    <p:sldId id="257" r:id="rId3"/>
   </p:sldIdLst>
   <p:sldSz cx="12192000" cy="6858000"/>
   <p:notesSz cx="6858000" cy="9144000"/>
@@ -104,6 +105,11 @@
       </a:defRPr>
     </a:lvl9pPr>
   </p:defaultTextStyle>
+  <p:extLst>
+    <p:ext uri="{EFAFB233-063F-42B5-8137-9DF3F51BA10A}">
+      <p15:sldGuideLst xmlns:p15="http://schemas.microsoft.com/office/powerpoint/2012/main"/>
+    </p:ext>
+  </p:extLst>
 </p:presentation>
 </file>
 
@@ -254,7 +260,7 @@
           <a:p>
             <a:fld id="{FA8D41EE-DE49-584F-8CF3-2FCD3C4787BC}" type="datetimeFigureOut">
               <a:rPr kumimoji="1" lang="zh-CN" altLang="en-US" smtClean="0"/>
-              <a:t>2020/8/18</a:t>
+              <a:t>2020/9/1</a:t>
             </a:fld>
             <a:endParaRPr kumimoji="1" lang="zh-CN" altLang="en-US"/>
           </a:p>
@@ -427,7 +433,7 @@
           <a:p>
             <a:fld id="{FA8D41EE-DE49-584F-8CF3-2FCD3C4787BC}" type="datetimeFigureOut">
               <a:rPr kumimoji="1" lang="zh-CN" altLang="en-US" smtClean="0"/>
-              <a:t>2020/8/18</a:t>
+              <a:t>2020/9/1</a:t>
             </a:fld>
             <a:endParaRPr kumimoji="1" lang="zh-CN" altLang="en-US"/>
           </a:p>
@@ -610,7 +616,7 @@
           <a:p>
             <a:fld id="{FA8D41EE-DE49-584F-8CF3-2FCD3C4787BC}" type="datetimeFigureOut">
               <a:rPr kumimoji="1" lang="zh-CN" altLang="en-US" smtClean="0"/>
-              <a:t>2020/8/18</a:t>
+              <a:t>2020/9/1</a:t>
             </a:fld>
             <a:endParaRPr kumimoji="1" lang="zh-CN" altLang="en-US"/>
           </a:p>
@@ -783,7 +789,7 @@
           <a:p>
             <a:fld id="{FA8D41EE-DE49-584F-8CF3-2FCD3C4787BC}" type="datetimeFigureOut">
               <a:rPr kumimoji="1" lang="zh-CN" altLang="en-US" smtClean="0"/>
-              <a:t>2020/8/18</a:t>
+              <a:t>2020/9/1</a:t>
             </a:fld>
             <a:endParaRPr kumimoji="1" lang="zh-CN" altLang="en-US"/>
           </a:p>
@@ -1061,7 +1067,7 @@
           <a:p>
             <a:fld id="{FA8D41EE-DE49-584F-8CF3-2FCD3C4787BC}" type="datetimeFigureOut">
               <a:rPr kumimoji="1" lang="zh-CN" altLang="en-US" smtClean="0"/>
-              <a:t>2020/8/18</a:t>
+              <a:t>2020/9/1</a:t>
             </a:fld>
             <a:endParaRPr kumimoji="1" lang="zh-CN" altLang="en-US"/>
           </a:p>
@@ -1276,7 +1282,7 @@
           <a:p>
             <a:fld id="{FA8D41EE-DE49-584F-8CF3-2FCD3C4787BC}" type="datetimeFigureOut">
               <a:rPr kumimoji="1" lang="zh-CN" altLang="en-US" smtClean="0"/>
-              <a:t>2020/8/18</a:t>
+              <a:t>2020/9/1</a:t>
             </a:fld>
             <a:endParaRPr kumimoji="1" lang="zh-CN" altLang="en-US"/>
           </a:p>
@@ -1644,7 +1650,7 @@
           <a:p>
             <a:fld id="{FA8D41EE-DE49-584F-8CF3-2FCD3C4787BC}" type="datetimeFigureOut">
               <a:rPr kumimoji="1" lang="zh-CN" altLang="en-US" smtClean="0"/>
-              <a:t>2020/8/18</a:t>
+              <a:t>2020/9/1</a:t>
             </a:fld>
             <a:endParaRPr kumimoji="1" lang="zh-CN" altLang="en-US"/>
           </a:p>
@@ -1785,7 +1791,7 @@
           <a:p>
             <a:fld id="{FA8D41EE-DE49-584F-8CF3-2FCD3C4787BC}" type="datetimeFigureOut">
               <a:rPr kumimoji="1" lang="zh-CN" altLang="en-US" smtClean="0"/>
-              <a:t>2020/8/18</a:t>
+              <a:t>2020/9/1</a:t>
             </a:fld>
             <a:endParaRPr kumimoji="1" lang="zh-CN" altLang="en-US"/>
           </a:p>
@@ -1898,7 +1904,7 @@
           <a:p>
             <a:fld id="{FA8D41EE-DE49-584F-8CF3-2FCD3C4787BC}" type="datetimeFigureOut">
               <a:rPr kumimoji="1" lang="zh-CN" altLang="en-US" smtClean="0"/>
-              <a:t>2020/8/18</a:t>
+              <a:t>2020/9/1</a:t>
             </a:fld>
             <a:endParaRPr kumimoji="1" lang="zh-CN" altLang="en-US"/>
           </a:p>
@@ -2187,7 +2193,7 @@
           <a:p>
             <a:fld id="{FA8D41EE-DE49-584F-8CF3-2FCD3C4787BC}" type="datetimeFigureOut">
               <a:rPr kumimoji="1" lang="zh-CN" altLang="en-US" smtClean="0"/>
-              <a:t>2020/8/18</a:t>
+              <a:t>2020/9/1</a:t>
             </a:fld>
             <a:endParaRPr kumimoji="1" lang="zh-CN" altLang="en-US"/>
           </a:p>
@@ -2478,7 +2484,7 @@
           <a:p>
             <a:fld id="{FA8D41EE-DE49-584F-8CF3-2FCD3C4787BC}" type="datetimeFigureOut">
               <a:rPr kumimoji="1" lang="zh-CN" altLang="en-US" smtClean="0"/>
-              <a:t>2020/8/18</a:t>
+              <a:t>2020/9/1</a:t>
             </a:fld>
             <a:endParaRPr kumimoji="1" lang="zh-CN" altLang="en-US"/>
           </a:p>
@@ -2694,7 +2700,7 @@
           <a:p>
             <a:fld id="{FA8D41EE-DE49-584F-8CF3-2FCD3C4787BC}" type="datetimeFigureOut">
               <a:rPr kumimoji="1" lang="zh-CN" altLang="en-US" smtClean="0"/>
-              <a:t>2020/8/18</a:t>
+              <a:t>2020/9/1</a:t>
             </a:fld>
             <a:endParaRPr kumimoji="1" lang="zh-CN" altLang="en-US"/>
           </a:p>
@@ -3536,6 +3542,528 @@
 </p:sld>
 </file>
 
+<file path=ppt/slides/slide2.xml><?xml version="1.0" encoding="utf-8"?>
+<p:sld xmlns:a="http://schemas.openxmlformats.org/drawingml/2006/main" xmlns:r="http://schemas.openxmlformats.org/officeDocument/2006/relationships" xmlns:p="http://schemas.openxmlformats.org/presentationml/2006/main">
+  <p:cSld>
+    <p:spTree>
+      <p:nvGrpSpPr>
+        <p:cNvPr id="1" name=""/>
+        <p:cNvGrpSpPr/>
+        <p:nvPr/>
+      </p:nvGrpSpPr>
+      <p:grpSpPr>
+        <a:xfrm>
+          <a:off x="0" y="0"/>
+          <a:ext cx="0" cy="0"/>
+          <a:chOff x="0" y="0"/>
+          <a:chExt cx="0" cy="0"/>
+        </a:xfrm>
+      </p:grpSpPr>
+      <p:sp>
+        <p:nvSpPr>
+          <p:cNvPr id="2" name="标题 1">
+            <a:extLst>
+              <a:ext uri="{FF2B5EF4-FFF2-40B4-BE49-F238E27FC236}">
+                <a16:creationId xmlns:a16="http://schemas.microsoft.com/office/drawing/2014/main" id="{0D0BD8BB-68ED-2D4E-8D03-79722F660F9D}"/>
+              </a:ext>
+            </a:extLst>
+          </p:cNvPr>
+          <p:cNvSpPr>
+            <a:spLocks noGrp="1"/>
+          </p:cNvSpPr>
+          <p:nvPr>
+            <p:ph type="title"/>
+          </p:nvPr>
+        </p:nvSpPr>
+        <p:spPr/>
+        <p:txBody>
+          <a:bodyPr/>
+          <a:lstStyle/>
+          <a:p>
+            <a:r>
+              <a:rPr kumimoji="1" lang="zh-CN" altLang="en-US" dirty="0"/>
+              <a:t>错误和</a:t>
+            </a:r>
+            <a:r>
+              <a:rPr kumimoji="1" lang="en-US" altLang="zh-CN" dirty="0"/>
+              <a:t> GC</a:t>
+            </a:r>
+            <a:endParaRPr kumimoji="1" lang="zh-CN" altLang="en-US" dirty="0"/>
+          </a:p>
+        </p:txBody>
+      </p:sp>
+      <p:graphicFrame>
+        <p:nvGraphicFramePr>
+          <p:cNvPr id="4" name="表格 3">
+            <a:extLst>
+              <a:ext uri="{FF2B5EF4-FFF2-40B4-BE49-F238E27FC236}">
+                <a16:creationId xmlns:a16="http://schemas.microsoft.com/office/drawing/2014/main" id="{FA6FA436-FEE9-5F44-8A20-BE0BE397BD91}"/>
+              </a:ext>
+            </a:extLst>
+          </p:cNvPr>
+          <p:cNvGraphicFramePr>
+            <a:graphicFrameLocks noGrp="1"/>
+          </p:cNvGraphicFramePr>
+          <p:nvPr>
+            <p:extLst>
+              <p:ext uri="{D42A27DB-BD31-4B8C-83A1-F6EECF244321}">
+                <p14:modId xmlns:p14="http://schemas.microsoft.com/office/powerpoint/2010/main" val="1217019059"/>
+              </p:ext>
+            </p:extLst>
+          </p:nvPr>
+        </p:nvGraphicFramePr>
+        <p:xfrm>
+          <a:off x="1151905" y="1690688"/>
+          <a:ext cx="8122722" cy="3704424"/>
+        </p:xfrm>
+        <a:graphic>
+          <a:graphicData uri="http://schemas.openxmlformats.org/drawingml/2006/table">
+            <a:tbl>
+              <a:tblPr firstRow="1" bandRow="1">
+                <a:tableStyleId>{5C22544A-7EE6-4342-B048-85BDC9FD1C3A}</a:tableStyleId>
+              </a:tblPr>
+              <a:tblGrid>
+                <a:gridCol w="2707574">
+                  <a:extLst>
+                    <a:ext uri="{9D8B030D-6E8A-4147-A177-3AD203B41FA5}">
+                      <a16:colId xmlns:a16="http://schemas.microsoft.com/office/drawing/2014/main" val="3067316435"/>
+                    </a:ext>
+                  </a:extLst>
+                </a:gridCol>
+                <a:gridCol w="2707574">
+                  <a:extLst>
+                    <a:ext uri="{9D8B030D-6E8A-4147-A177-3AD203B41FA5}">
+                      <a16:colId xmlns:a16="http://schemas.microsoft.com/office/drawing/2014/main" val="4129591435"/>
+                    </a:ext>
+                  </a:extLst>
+                </a:gridCol>
+                <a:gridCol w="2707574">
+                  <a:extLst>
+                    <a:ext uri="{9D8B030D-6E8A-4147-A177-3AD203B41FA5}">
+                      <a16:colId xmlns:a16="http://schemas.microsoft.com/office/drawing/2014/main" val="1767964070"/>
+                    </a:ext>
+                  </a:extLst>
+                </a:gridCol>
+              </a:tblGrid>
+              <a:tr h="497101">
+                <a:tc>
+                  <a:txBody>
+                    <a:bodyPr/>
+                    <a:lstStyle/>
+                    <a:p>
+                      <a:endParaRPr lang="zh-CN" altLang="en-US" dirty="0"/>
+                    </a:p>
+                  </a:txBody>
+                  <a:tcPr/>
+                </a:tc>
+                <a:tc>
+                  <a:txBody>
+                    <a:bodyPr/>
+                    <a:lstStyle/>
+                    <a:p>
+                      <a:r>
+                        <a:rPr lang="zh-CN" altLang="en-US" dirty="0"/>
+                        <a:t>错误</a:t>
+                      </a:r>
+                      <a:endParaRPr lang="en-US" altLang="zh-CN" dirty="0"/>
+                    </a:p>
+                  </a:txBody>
+                  <a:tcPr/>
+                </a:tc>
+                <a:tc>
+                  <a:txBody>
+                    <a:bodyPr/>
+                    <a:lstStyle/>
+                    <a:p>
+                      <a:r>
+                        <a:rPr lang="en-US" altLang="zh-CN" dirty="0"/>
+                        <a:t>GC</a:t>
+                      </a:r>
+                      <a:endParaRPr lang="zh-CN" altLang="en-US" dirty="0"/>
+                    </a:p>
+                  </a:txBody>
+                  <a:tcPr/>
+                </a:tc>
+                <a:extLst>
+                  <a:ext uri="{0D108BD9-81ED-4DB2-BD59-A6C34878D82A}">
+                    <a16:rowId xmlns:a16="http://schemas.microsoft.com/office/drawing/2014/main" val="880591920"/>
+                  </a:ext>
+                </a:extLst>
+              </a:tr>
+              <a:tr h="497101">
+                <a:tc>
+                  <a:txBody>
+                    <a:bodyPr/>
+                    <a:lstStyle/>
+                    <a:p>
+                      <a:r>
+                        <a:rPr lang="zh-CN" altLang="en-US" dirty="0"/>
+                        <a:t>程序计数器</a:t>
+                      </a:r>
+                      <a:r>
+                        <a:rPr lang="en-US" altLang="zh-CN" dirty="0"/>
+                        <a:t>pc</a:t>
+                      </a:r>
+                      <a:endParaRPr lang="zh-CN" altLang="en-US" dirty="0"/>
+                    </a:p>
+                  </a:txBody>
+                  <a:tcPr/>
+                </a:tc>
+                <a:tc>
+                  <a:txBody>
+                    <a:bodyPr/>
+                    <a:lstStyle/>
+                    <a:p>
+                      <a:r>
+                        <a:rPr lang="en-US" altLang="zh-CN" dirty="0"/>
+                        <a:t>x(</a:t>
+                      </a:r>
+                      <a:r>
+                        <a:rPr lang="zh-CN" altLang="en-US" dirty="0"/>
+                        <a:t>就一个寄存器</a:t>
+                      </a:r>
+                      <a:r>
+                        <a:rPr lang="en-US" altLang="zh-CN" dirty="0"/>
+                        <a:t>)</a:t>
+                      </a:r>
+                      <a:endParaRPr lang="zh-CN" altLang="en-US" dirty="0"/>
+                    </a:p>
+                  </a:txBody>
+                  <a:tcPr/>
+                </a:tc>
+                <a:tc>
+                  <a:txBody>
+                    <a:bodyPr/>
+                    <a:lstStyle/>
+                    <a:p>
+                      <a:r>
+                        <a:rPr lang="en-US" altLang="zh-CN" dirty="0"/>
+                        <a:t>x(</a:t>
+                      </a:r>
+                      <a:r>
+                        <a:rPr lang="zh-CN" altLang="en-US" dirty="0"/>
+                        <a:t>就一个寄存器</a:t>
+                      </a:r>
+                      <a:r>
+                        <a:rPr lang="en-US" altLang="zh-CN" dirty="0"/>
+                        <a:t>`)</a:t>
+                      </a:r>
+                      <a:endParaRPr lang="zh-CN" altLang="en-US" dirty="0"/>
+                    </a:p>
+                  </a:txBody>
+                  <a:tcPr/>
+                </a:tc>
+                <a:extLst>
+                  <a:ext uri="{0D108BD9-81ED-4DB2-BD59-A6C34878D82A}">
+                    <a16:rowId xmlns:a16="http://schemas.microsoft.com/office/drawing/2014/main" val="3855771547"/>
+                  </a:ext>
+                </a:extLst>
+              </a:tr>
+              <a:tr h="858010">
+                <a:tc>
+                  <a:txBody>
+                    <a:bodyPr/>
+                    <a:lstStyle/>
+                    <a:p>
+                      <a:r>
+                        <a:rPr lang="zh-CN" altLang="en-US" dirty="0"/>
+                        <a:t>虚拟机栈</a:t>
+                      </a:r>
+                    </a:p>
+                  </a:txBody>
+                  <a:tcPr/>
+                </a:tc>
+                <a:tc>
+                  <a:txBody>
+                    <a:bodyPr/>
+                    <a:lstStyle/>
+                    <a:p>
+                      <a:r>
+                        <a:rPr lang="zh-CN" altLang="en-US" dirty="0"/>
+                        <a:t>√</a:t>
+                      </a:r>
+                      <a:r>
+                        <a:rPr lang="en-US" altLang="zh-CN" dirty="0"/>
+                        <a:t>(</a:t>
+                      </a:r>
+                      <a:r>
+                        <a:rPr lang="zh-CN" altLang="en-US" dirty="0"/>
+                        <a:t>栈溢出错误</a:t>
+                      </a:r>
+                      <a:r>
+                        <a:rPr lang="en-US" altLang="zh-CN" dirty="0"/>
+                        <a:t>)</a:t>
+                      </a:r>
+                      <a:endParaRPr lang="zh-CN" altLang="en-US" dirty="0"/>
+                    </a:p>
+                  </a:txBody>
+                  <a:tcPr/>
+                </a:tc>
+                <a:tc>
+                  <a:txBody>
+                    <a:bodyPr/>
+                    <a:lstStyle/>
+                    <a:p>
+                      <a:r>
+                        <a:rPr lang="en-US" altLang="zh-CN" dirty="0"/>
+                        <a:t>x(</a:t>
+                      </a:r>
+                      <a:r>
+                        <a:rPr lang="zh-CN" altLang="en-US" dirty="0"/>
+                        <a:t>只有进出栈操作</a:t>
+                      </a:r>
+                      <a:r>
+                        <a:rPr lang="en-US" altLang="zh-CN" dirty="0"/>
+                        <a:t>,</a:t>
+                      </a:r>
+                      <a:r>
+                        <a:rPr lang="zh-CN" altLang="en-US" dirty="0"/>
+                        <a:t>不用</a:t>
+                      </a:r>
+                      <a:r>
+                        <a:rPr lang="en-US" altLang="zh-CN" dirty="0"/>
+                        <a:t> </a:t>
+                      </a:r>
+                      <a:r>
+                        <a:rPr lang="en-US" altLang="zh-CN" dirty="0" err="1"/>
+                        <a:t>gc</a:t>
+                      </a:r>
+                      <a:r>
+                        <a:rPr lang="en-US" altLang="zh-CN" dirty="0"/>
+                        <a:t>)</a:t>
+                      </a:r>
+                      <a:endParaRPr lang="zh-CN" altLang="en-US" dirty="0"/>
+                    </a:p>
+                  </a:txBody>
+                  <a:tcPr/>
+                </a:tc>
+                <a:extLst>
+                  <a:ext uri="{0D108BD9-81ED-4DB2-BD59-A6C34878D82A}">
+                    <a16:rowId xmlns:a16="http://schemas.microsoft.com/office/drawing/2014/main" val="3863101872"/>
+                  </a:ext>
+                </a:extLst>
+              </a:tr>
+              <a:tr h="858010">
+                <a:tc>
+                  <a:txBody>
+                    <a:bodyPr/>
+                    <a:lstStyle/>
+                    <a:p>
+                      <a:r>
+                        <a:rPr lang="zh-CN" altLang="en-US" dirty="0"/>
+                        <a:t>本地方法栈</a:t>
+                      </a:r>
+                      <a:r>
+                        <a:rPr lang="en-US" altLang="zh-CN" dirty="0"/>
+                        <a:t>(</a:t>
+                      </a:r>
+                      <a:r>
+                        <a:rPr lang="zh-CN" altLang="en-US" dirty="0"/>
+                        <a:t>调用</a:t>
+                      </a:r>
+                      <a:r>
+                        <a:rPr lang="en-US" altLang="zh-CN" dirty="0"/>
+                        <a:t>c/</a:t>
+                      </a:r>
+                      <a:r>
+                        <a:rPr lang="en-US" altLang="zh-CN" dirty="0" err="1"/>
+                        <a:t>c++</a:t>
+                      </a:r>
+                      <a:r>
+                        <a:rPr lang="en-US" altLang="zh-CN" dirty="0"/>
+                        <a:t>)</a:t>
+                      </a:r>
+                      <a:endParaRPr lang="zh-CN" altLang="en-US" dirty="0"/>
+                    </a:p>
+                  </a:txBody>
+                  <a:tcPr/>
+                </a:tc>
+                <a:tc>
+                  <a:txBody>
+                    <a:bodyPr/>
+                    <a:lstStyle/>
+                    <a:p>
+                      <a:r>
+                        <a:rPr lang="zh-CN" altLang="en-US" dirty="0"/>
+                        <a:t>√</a:t>
+                      </a:r>
+                      <a:r>
+                        <a:rPr lang="en-US" altLang="zh-CN" dirty="0"/>
+                        <a:t>(</a:t>
+                      </a:r>
+                      <a:r>
+                        <a:rPr lang="zh-CN" altLang="en-US" dirty="0"/>
+                        <a:t>栈溢出错误</a:t>
+                      </a:r>
+                      <a:r>
+                        <a:rPr lang="en-US" altLang="zh-CN" dirty="0"/>
+                        <a:t>)</a:t>
+                      </a:r>
+                      <a:endParaRPr lang="zh-CN" altLang="en-US" dirty="0"/>
+                    </a:p>
+                  </a:txBody>
+                  <a:tcPr/>
+                </a:tc>
+                <a:tc>
+                  <a:txBody>
+                    <a:bodyPr/>
+                    <a:lstStyle/>
+                    <a:p>
+                      <a:r>
+                        <a:rPr lang="en-US" altLang="zh-CN" dirty="0"/>
+                        <a:t>x(</a:t>
+                      </a:r>
+                      <a:r>
+                        <a:rPr lang="zh-CN" altLang="en-US" dirty="0"/>
+                        <a:t>只有进出栈操作</a:t>
+                      </a:r>
+                      <a:r>
+                        <a:rPr lang="en-US" altLang="zh-CN" dirty="0"/>
+                        <a:t>,</a:t>
+                      </a:r>
+                      <a:r>
+                        <a:rPr lang="zh-CN" altLang="en-US" dirty="0"/>
+                        <a:t>不用</a:t>
+                      </a:r>
+                      <a:r>
+                        <a:rPr lang="en-US" altLang="zh-CN" dirty="0"/>
+                        <a:t> </a:t>
+                      </a:r>
+                      <a:r>
+                        <a:rPr lang="en-US" altLang="zh-CN" dirty="0" err="1"/>
+                        <a:t>gc</a:t>
+                      </a:r>
+                      <a:r>
+                        <a:rPr lang="en-US" altLang="zh-CN" dirty="0"/>
+                        <a:t>)</a:t>
+                      </a:r>
+                      <a:endParaRPr lang="zh-CN" altLang="en-US" dirty="0"/>
+                    </a:p>
+                  </a:txBody>
+                  <a:tcPr/>
+                </a:tc>
+                <a:extLst>
+                  <a:ext uri="{0D108BD9-81ED-4DB2-BD59-A6C34878D82A}">
+                    <a16:rowId xmlns:a16="http://schemas.microsoft.com/office/drawing/2014/main" val="44987599"/>
+                  </a:ext>
+                </a:extLst>
+              </a:tr>
+              <a:tr h="497101">
+                <a:tc>
+                  <a:txBody>
+                    <a:bodyPr/>
+                    <a:lstStyle/>
+                    <a:p>
+                      <a:r>
+                        <a:rPr lang="zh-CN" altLang="en-US" dirty="0"/>
+                        <a:t>堆</a:t>
+                      </a:r>
+                      <a:endParaRPr lang="en-US" altLang="zh-CN" dirty="0"/>
+                    </a:p>
+                  </a:txBody>
+                  <a:tcPr/>
+                </a:tc>
+                <a:tc>
+                  <a:txBody>
+                    <a:bodyPr/>
+                    <a:lstStyle/>
+                    <a:p>
+                      <a:r>
+                        <a:rPr lang="zh-CN" altLang="en-US" dirty="0"/>
+                        <a:t>√</a:t>
+                      </a:r>
+                      <a:r>
+                        <a:rPr lang="en-US" altLang="zh-CN" dirty="0"/>
+                        <a:t>(OOM)</a:t>
+                      </a:r>
+                      <a:endParaRPr lang="zh-CN" altLang="en-US" dirty="0"/>
+                    </a:p>
+                  </a:txBody>
+                  <a:tcPr/>
+                </a:tc>
+                <a:tc>
+                  <a:txBody>
+                    <a:bodyPr/>
+                    <a:lstStyle/>
+                    <a:p>
+                      <a:r>
+                        <a:rPr lang="zh-CN" altLang="en-US" dirty="0"/>
+                        <a:t>√</a:t>
+                      </a:r>
+                    </a:p>
+                  </a:txBody>
+                  <a:tcPr/>
+                </a:tc>
+                <a:extLst>
+                  <a:ext uri="{0D108BD9-81ED-4DB2-BD59-A6C34878D82A}">
+                    <a16:rowId xmlns:a16="http://schemas.microsoft.com/office/drawing/2014/main" val="3335908783"/>
+                  </a:ext>
+                </a:extLst>
+              </a:tr>
+              <a:tr h="497101">
+                <a:tc>
+                  <a:txBody>
+                    <a:bodyPr/>
+                    <a:lstStyle/>
+                    <a:p>
+                      <a:r>
+                        <a:rPr lang="zh-CN" altLang="en-US" dirty="0"/>
+                        <a:t>方法区</a:t>
+                      </a:r>
+                      <a:endParaRPr lang="en-US" altLang="zh-CN" dirty="0"/>
+                    </a:p>
+                  </a:txBody>
+                  <a:tcPr/>
+                </a:tc>
+                <a:tc>
+                  <a:txBody>
+                    <a:bodyPr/>
+                    <a:lstStyle/>
+                    <a:p>
+                      <a:r>
+                        <a:rPr lang="zh-CN" altLang="en-US" dirty="0"/>
+                        <a:t>√</a:t>
+                      </a:r>
+                    </a:p>
+                  </a:txBody>
+                  <a:tcPr/>
+                </a:tc>
+                <a:tc>
+                  <a:txBody>
+                    <a:bodyPr/>
+                    <a:lstStyle/>
+                    <a:p>
+                      <a:r>
+                        <a:rPr lang="zh-CN" altLang="en-US" dirty="0"/>
+                        <a:t>√</a:t>
+                      </a:r>
+                    </a:p>
+                  </a:txBody>
+                  <a:tcPr/>
+                </a:tc>
+                <a:extLst>
+                  <a:ext uri="{0D108BD9-81ED-4DB2-BD59-A6C34878D82A}">
+                    <a16:rowId xmlns:a16="http://schemas.microsoft.com/office/drawing/2014/main" val="4123380672"/>
+                  </a:ext>
+                </a:extLst>
+              </a:tr>
+            </a:tbl>
+          </a:graphicData>
+        </a:graphic>
+      </p:graphicFrame>
+    </p:spTree>
+    <p:extLst>
+      <p:ext uri="{BB962C8B-B14F-4D97-AF65-F5344CB8AC3E}">
+        <p14:creationId xmlns:p14="http://schemas.microsoft.com/office/powerpoint/2010/main" val="2527075735"/>
+      </p:ext>
+    </p:extLst>
+  </p:cSld>
+  <p:clrMapOvr>
+    <a:masterClrMapping/>
+  </p:clrMapOvr>
+</p:sld>
+</file>
+
 <file path=ppt/theme/theme1.xml><?xml version="1.0" encoding="utf-8"?>
 <a:theme xmlns:a="http://schemas.openxmlformats.org/drawingml/2006/main" name="Office 主题​​">
   <a:themeElements>

--- a/Note/笔记作图.pptx
+++ b/Note/笔记作图.pptx
@@ -3607,13 +3607,13 @@
           <p:nvPr>
             <p:extLst>
               <p:ext uri="{D42A27DB-BD31-4B8C-83A1-F6EECF244321}">
-                <p14:modId xmlns:p14="http://schemas.microsoft.com/office/powerpoint/2010/main" val="1217019059"/>
+                <p14:modId xmlns:p14="http://schemas.microsoft.com/office/powerpoint/2010/main" val="2651746053"/>
               </p:ext>
             </p:extLst>
           </p:nvPr>
         </p:nvGraphicFramePr>
         <p:xfrm>
-          <a:off x="1151905" y="1690688"/>
+          <a:off x="1104404" y="2106324"/>
           <a:ext cx="8122722" cy="3704424"/>
         </p:xfrm>
         <a:graphic>

--- a/Note/笔记作图.pptx
+++ b/Note/笔记作图.pptx
@@ -7,6 +7,7 @@
   <p:sldIdLst>
     <p:sldId id="256" r:id="rId2"/>
     <p:sldId id="257" r:id="rId3"/>
+    <p:sldId id="258" r:id="rId4"/>
   </p:sldIdLst>
   <p:sldSz cx="12192000" cy="6858000"/>
   <p:notesSz cx="6858000" cy="9144000"/>
@@ -260,7 +261,7 @@
           <a:p>
             <a:fld id="{FA8D41EE-DE49-584F-8CF3-2FCD3C4787BC}" type="datetimeFigureOut">
               <a:rPr kumimoji="1" lang="zh-CN" altLang="en-US" smtClean="0"/>
-              <a:t>2020/9/1</a:t>
+              <a:t>2020/9/7</a:t>
             </a:fld>
             <a:endParaRPr kumimoji="1" lang="zh-CN" altLang="en-US"/>
           </a:p>
@@ -433,7 +434,7 @@
           <a:p>
             <a:fld id="{FA8D41EE-DE49-584F-8CF3-2FCD3C4787BC}" type="datetimeFigureOut">
               <a:rPr kumimoji="1" lang="zh-CN" altLang="en-US" smtClean="0"/>
-              <a:t>2020/9/1</a:t>
+              <a:t>2020/9/7</a:t>
             </a:fld>
             <a:endParaRPr kumimoji="1" lang="zh-CN" altLang="en-US"/>
           </a:p>
@@ -616,7 +617,7 @@
           <a:p>
             <a:fld id="{FA8D41EE-DE49-584F-8CF3-2FCD3C4787BC}" type="datetimeFigureOut">
               <a:rPr kumimoji="1" lang="zh-CN" altLang="en-US" smtClean="0"/>
-              <a:t>2020/9/1</a:t>
+              <a:t>2020/9/7</a:t>
             </a:fld>
             <a:endParaRPr kumimoji="1" lang="zh-CN" altLang="en-US"/>
           </a:p>
@@ -789,7 +790,7 @@
           <a:p>
             <a:fld id="{FA8D41EE-DE49-584F-8CF3-2FCD3C4787BC}" type="datetimeFigureOut">
               <a:rPr kumimoji="1" lang="zh-CN" altLang="en-US" smtClean="0"/>
-              <a:t>2020/9/1</a:t>
+              <a:t>2020/9/7</a:t>
             </a:fld>
             <a:endParaRPr kumimoji="1" lang="zh-CN" altLang="en-US"/>
           </a:p>
@@ -1067,7 +1068,7 @@
           <a:p>
             <a:fld id="{FA8D41EE-DE49-584F-8CF3-2FCD3C4787BC}" type="datetimeFigureOut">
               <a:rPr kumimoji="1" lang="zh-CN" altLang="en-US" smtClean="0"/>
-              <a:t>2020/9/1</a:t>
+              <a:t>2020/9/7</a:t>
             </a:fld>
             <a:endParaRPr kumimoji="1" lang="zh-CN" altLang="en-US"/>
           </a:p>
@@ -1282,7 +1283,7 @@
           <a:p>
             <a:fld id="{FA8D41EE-DE49-584F-8CF3-2FCD3C4787BC}" type="datetimeFigureOut">
               <a:rPr kumimoji="1" lang="zh-CN" altLang="en-US" smtClean="0"/>
-              <a:t>2020/9/1</a:t>
+              <a:t>2020/9/7</a:t>
             </a:fld>
             <a:endParaRPr kumimoji="1" lang="zh-CN" altLang="en-US"/>
           </a:p>
@@ -1650,7 +1651,7 @@
           <a:p>
             <a:fld id="{FA8D41EE-DE49-584F-8CF3-2FCD3C4787BC}" type="datetimeFigureOut">
               <a:rPr kumimoji="1" lang="zh-CN" altLang="en-US" smtClean="0"/>
-              <a:t>2020/9/1</a:t>
+              <a:t>2020/9/7</a:t>
             </a:fld>
             <a:endParaRPr kumimoji="1" lang="zh-CN" altLang="en-US"/>
           </a:p>
@@ -1791,7 +1792,7 @@
           <a:p>
             <a:fld id="{FA8D41EE-DE49-584F-8CF3-2FCD3C4787BC}" type="datetimeFigureOut">
               <a:rPr kumimoji="1" lang="zh-CN" altLang="en-US" smtClean="0"/>
-              <a:t>2020/9/1</a:t>
+              <a:t>2020/9/7</a:t>
             </a:fld>
             <a:endParaRPr kumimoji="1" lang="zh-CN" altLang="en-US"/>
           </a:p>
@@ -1904,7 +1905,7 @@
           <a:p>
             <a:fld id="{FA8D41EE-DE49-584F-8CF3-2FCD3C4787BC}" type="datetimeFigureOut">
               <a:rPr kumimoji="1" lang="zh-CN" altLang="en-US" smtClean="0"/>
-              <a:t>2020/9/1</a:t>
+              <a:t>2020/9/7</a:t>
             </a:fld>
             <a:endParaRPr kumimoji="1" lang="zh-CN" altLang="en-US"/>
           </a:p>
@@ -2193,7 +2194,7 @@
           <a:p>
             <a:fld id="{FA8D41EE-DE49-584F-8CF3-2FCD3C4787BC}" type="datetimeFigureOut">
               <a:rPr kumimoji="1" lang="zh-CN" altLang="en-US" smtClean="0"/>
-              <a:t>2020/9/1</a:t>
+              <a:t>2020/9/7</a:t>
             </a:fld>
             <a:endParaRPr kumimoji="1" lang="zh-CN" altLang="en-US"/>
           </a:p>
@@ -2484,7 +2485,7 @@
           <a:p>
             <a:fld id="{FA8D41EE-DE49-584F-8CF3-2FCD3C4787BC}" type="datetimeFigureOut">
               <a:rPr kumimoji="1" lang="zh-CN" altLang="en-US" smtClean="0"/>
-              <a:t>2020/9/1</a:t>
+              <a:t>2020/9/7</a:t>
             </a:fld>
             <a:endParaRPr kumimoji="1" lang="zh-CN" altLang="en-US"/>
           </a:p>
@@ -2700,7 +2701,7 @@
           <a:p>
             <a:fld id="{FA8D41EE-DE49-584F-8CF3-2FCD3C4787BC}" type="datetimeFigureOut">
               <a:rPr kumimoji="1" lang="zh-CN" altLang="en-US" smtClean="0"/>
-              <a:t>2020/9/1</a:t>
+              <a:t>2020/9/7</a:t>
             </a:fld>
             <a:endParaRPr kumimoji="1" lang="zh-CN" altLang="en-US"/>
           </a:p>
@@ -4064,6 +4065,1119 @@
 </p:sld>
 </file>
 
+<file path=ppt/slides/slide3.xml><?xml version="1.0" encoding="utf-8"?>
+<p:sld xmlns:a="http://schemas.openxmlformats.org/drawingml/2006/main" xmlns:r="http://schemas.openxmlformats.org/officeDocument/2006/relationships" xmlns:p="http://schemas.openxmlformats.org/presentationml/2006/main">
+  <p:cSld>
+    <p:spTree>
+      <p:nvGrpSpPr>
+        <p:cNvPr id="1" name=""/>
+        <p:cNvGrpSpPr/>
+        <p:nvPr/>
+      </p:nvGrpSpPr>
+      <p:grpSpPr>
+        <a:xfrm>
+          <a:off x="0" y="0"/>
+          <a:ext cx="0" cy="0"/>
+          <a:chOff x="0" y="0"/>
+          <a:chExt cx="0" cy="0"/>
+        </a:xfrm>
+      </p:grpSpPr>
+      <p:sp>
+        <p:nvSpPr>
+          <p:cNvPr id="6" name="矩形 5">
+            <a:extLst>
+              <a:ext uri="{FF2B5EF4-FFF2-40B4-BE49-F238E27FC236}">
+                <a16:creationId xmlns:a16="http://schemas.microsoft.com/office/drawing/2014/main" id="{4FC4A8F8-961C-F74A-BEE0-7C13BB090FDC}"/>
+              </a:ext>
+            </a:extLst>
+          </p:cNvPr>
+          <p:cNvSpPr/>
+          <p:nvPr/>
+        </p:nvSpPr>
+        <p:spPr>
+          <a:xfrm>
+            <a:off x="3372592" y="1520041"/>
+            <a:ext cx="8134597" cy="4168239"/>
+          </a:xfrm>
+          <a:prstGeom prst="rect">
+            <a:avLst/>
+          </a:prstGeom>
+          <a:solidFill>
+            <a:schemeClr val="bg1">
+              <a:lumMod val="50000"/>
+            </a:schemeClr>
+          </a:solidFill>
+        </p:spPr>
+        <p:style>
+          <a:lnRef idx="2">
+            <a:schemeClr val="accent1">
+              <a:shade val="50000"/>
+            </a:schemeClr>
+          </a:lnRef>
+          <a:fillRef idx="1">
+            <a:schemeClr val="accent1"/>
+          </a:fillRef>
+          <a:effectRef idx="0">
+            <a:schemeClr val="accent1"/>
+          </a:effectRef>
+          <a:fontRef idx="minor">
+            <a:schemeClr val="lt1"/>
+          </a:fontRef>
+        </p:style>
+        <p:txBody>
+          <a:bodyPr rtlCol="0" anchor="ctr"/>
+          <a:lstStyle/>
+          <a:p>
+            <a:pPr algn="ctr"/>
+            <a:endParaRPr kumimoji="1" lang="zh-CN" altLang="en-US" dirty="0"/>
+          </a:p>
+        </p:txBody>
+      </p:sp>
+      <p:graphicFrame>
+        <p:nvGraphicFramePr>
+          <p:cNvPr id="4" name="表格 3">
+            <a:extLst>
+              <a:ext uri="{FF2B5EF4-FFF2-40B4-BE49-F238E27FC236}">
+                <a16:creationId xmlns:a16="http://schemas.microsoft.com/office/drawing/2014/main" id="{7D154344-9040-8241-BFC2-F4FDEC4069DC}"/>
+              </a:ext>
+            </a:extLst>
+          </p:cNvPr>
+          <p:cNvGraphicFramePr>
+            <a:graphicFrameLocks noGrp="1"/>
+          </p:cNvGraphicFramePr>
+          <p:nvPr>
+            <p:extLst>
+              <p:ext uri="{D42A27DB-BD31-4B8C-83A1-F6EECF244321}">
+                <p14:modId xmlns:p14="http://schemas.microsoft.com/office/powerpoint/2010/main" val="1982458046"/>
+              </p:ext>
+            </p:extLst>
+          </p:nvPr>
+        </p:nvGraphicFramePr>
+        <p:xfrm>
+          <a:off x="956953" y="2485515"/>
+          <a:ext cx="1079336" cy="2201664"/>
+        </p:xfrm>
+        <a:graphic>
+          <a:graphicData uri="http://schemas.openxmlformats.org/drawingml/2006/table">
+            <a:tbl>
+              <a:tblPr firstRow="1" bandRow="1">
+                <a:tableStyleId>{5C22544A-7EE6-4342-B048-85BDC9FD1C3A}</a:tableStyleId>
+              </a:tblPr>
+              <a:tblGrid>
+                <a:gridCol w="1079336">
+                  <a:extLst>
+                    <a:ext uri="{9D8B030D-6E8A-4147-A177-3AD203B41FA5}">
+                      <a16:colId xmlns:a16="http://schemas.microsoft.com/office/drawing/2014/main" val="1936634324"/>
+                    </a:ext>
+                  </a:extLst>
+                </a:gridCol>
+              </a:tblGrid>
+              <a:tr h="550416">
+                <a:tc>
+                  <a:txBody>
+                    <a:bodyPr/>
+                    <a:lstStyle/>
+                    <a:p>
+                      <a:endParaRPr lang="zh-CN" altLang="en-US" dirty="0"/>
+                    </a:p>
+                  </a:txBody>
+                  <a:tcPr/>
+                </a:tc>
+                <a:extLst>
+                  <a:ext uri="{0D108BD9-81ED-4DB2-BD59-A6C34878D82A}">
+                    <a16:rowId xmlns:a16="http://schemas.microsoft.com/office/drawing/2014/main" val="376529620"/>
+                  </a:ext>
+                </a:extLst>
+              </a:tr>
+              <a:tr h="550416">
+                <a:tc>
+                  <a:txBody>
+                    <a:bodyPr/>
+                    <a:lstStyle/>
+                    <a:p>
+                      <a:r>
+                        <a:rPr lang="en-US" altLang="zh-CN" dirty="0" err="1"/>
+                        <a:t>str</a:t>
+                      </a:r>
+                      <a:endParaRPr lang="en-US" altLang="zh-CN" dirty="0"/>
+                    </a:p>
+                  </a:txBody>
+                  <a:tcPr/>
+                </a:tc>
+                <a:extLst>
+                  <a:ext uri="{0D108BD9-81ED-4DB2-BD59-A6C34878D82A}">
+                    <a16:rowId xmlns:a16="http://schemas.microsoft.com/office/drawing/2014/main" val="688950770"/>
+                  </a:ext>
+                </a:extLst>
+              </a:tr>
+              <a:tr h="550416">
+                <a:tc>
+                  <a:txBody>
+                    <a:bodyPr/>
+                    <a:lstStyle/>
+                    <a:p>
+                      <a:r>
+                        <a:rPr lang="en-US" altLang="zh-CN" dirty="0" err="1"/>
+                        <a:t>ch</a:t>
+                      </a:r>
+                      <a:endParaRPr lang="zh-CN" altLang="en-US" dirty="0"/>
+                    </a:p>
+                  </a:txBody>
+                  <a:tcPr/>
+                </a:tc>
+                <a:extLst>
+                  <a:ext uri="{0D108BD9-81ED-4DB2-BD59-A6C34878D82A}">
+                    <a16:rowId xmlns:a16="http://schemas.microsoft.com/office/drawing/2014/main" val="1268902227"/>
+                  </a:ext>
+                </a:extLst>
+              </a:tr>
+              <a:tr h="550416">
+                <a:tc>
+                  <a:txBody>
+                    <a:bodyPr/>
+                    <a:lstStyle/>
+                    <a:p>
+                      <a:endParaRPr lang="zh-CN" altLang="en-US" dirty="0"/>
+                    </a:p>
+                  </a:txBody>
+                  <a:tcPr/>
+                </a:tc>
+                <a:extLst>
+                  <a:ext uri="{0D108BD9-81ED-4DB2-BD59-A6C34878D82A}">
+                    <a16:rowId xmlns:a16="http://schemas.microsoft.com/office/drawing/2014/main" val="4242160265"/>
+                  </a:ext>
+                </a:extLst>
+              </a:tr>
+            </a:tbl>
+          </a:graphicData>
+        </a:graphic>
+      </p:graphicFrame>
+      <p:graphicFrame>
+        <p:nvGraphicFramePr>
+          <p:cNvPr id="7" name="表格 6">
+            <a:extLst>
+              <a:ext uri="{FF2B5EF4-FFF2-40B4-BE49-F238E27FC236}">
+                <a16:creationId xmlns:a16="http://schemas.microsoft.com/office/drawing/2014/main" id="{BB6136F2-E07F-9A41-BDB0-D06D40D4F154}"/>
+              </a:ext>
+            </a:extLst>
+          </p:cNvPr>
+          <p:cNvGraphicFramePr>
+            <a:graphicFrameLocks noGrp="1"/>
+          </p:cNvGraphicFramePr>
+          <p:nvPr>
+            <p:extLst>
+              <p:ext uri="{D42A27DB-BD31-4B8C-83A1-F6EECF244321}">
+                <p14:modId xmlns:p14="http://schemas.microsoft.com/office/powerpoint/2010/main" val="796522011"/>
+              </p:ext>
+            </p:extLst>
+          </p:nvPr>
+        </p:nvGraphicFramePr>
+        <p:xfrm>
+          <a:off x="4383314" y="2687395"/>
+          <a:ext cx="1150587" cy="1999784"/>
+        </p:xfrm>
+        <a:graphic>
+          <a:graphicData uri="http://schemas.openxmlformats.org/drawingml/2006/table">
+            <a:tbl>
+              <a:tblPr firstRow="1" bandRow="1">
+                <a:tableStyleId>{5C22544A-7EE6-4342-B048-85BDC9FD1C3A}</a:tableStyleId>
+              </a:tblPr>
+              <a:tblGrid>
+                <a:gridCol w="1150587">
+                  <a:extLst>
+                    <a:ext uri="{9D8B030D-6E8A-4147-A177-3AD203B41FA5}">
+                      <a16:colId xmlns:a16="http://schemas.microsoft.com/office/drawing/2014/main" val="1740200420"/>
+                    </a:ext>
+                  </a:extLst>
+                </a:gridCol>
+              </a:tblGrid>
+              <a:tr h="499946">
+                <a:tc>
+                  <a:txBody>
+                    <a:bodyPr/>
+                    <a:lstStyle/>
+                    <a:p>
+                      <a:r>
+                        <a:rPr lang="en-US" altLang="zh-CN" dirty="0"/>
+                        <a:t>…</a:t>
+                      </a:r>
+                      <a:endParaRPr lang="zh-CN" altLang="en-US" dirty="0"/>
+                    </a:p>
+                  </a:txBody>
+                  <a:tcPr/>
+                </a:tc>
+                <a:extLst>
+                  <a:ext uri="{0D108BD9-81ED-4DB2-BD59-A6C34878D82A}">
+                    <a16:rowId xmlns:a16="http://schemas.microsoft.com/office/drawing/2014/main" val="4181001847"/>
+                  </a:ext>
+                </a:extLst>
+              </a:tr>
+              <a:tr h="499946">
+                <a:tc>
+                  <a:txBody>
+                    <a:bodyPr/>
+                    <a:lstStyle/>
+                    <a:p>
+                      <a:r>
+                        <a:rPr lang="en-US" altLang="zh-CN" dirty="0" err="1"/>
+                        <a:t>str</a:t>
+                      </a:r>
+                      <a:endParaRPr lang="en-US" altLang="zh-CN" dirty="0"/>
+                    </a:p>
+                  </a:txBody>
+                  <a:tcPr/>
+                </a:tc>
+                <a:extLst>
+                  <a:ext uri="{0D108BD9-81ED-4DB2-BD59-A6C34878D82A}">
+                    <a16:rowId xmlns:a16="http://schemas.microsoft.com/office/drawing/2014/main" val="4196851786"/>
+                  </a:ext>
+                </a:extLst>
+              </a:tr>
+              <a:tr h="499946">
+                <a:tc>
+                  <a:txBody>
+                    <a:bodyPr/>
+                    <a:lstStyle/>
+                    <a:p>
+                      <a:r>
+                        <a:rPr lang="en-US" altLang="zh-CN" dirty="0" err="1"/>
+                        <a:t>ch</a:t>
+                      </a:r>
+                      <a:endParaRPr lang="zh-CN" altLang="en-US" dirty="0"/>
+                    </a:p>
+                  </a:txBody>
+                  <a:tcPr/>
+                </a:tc>
+                <a:extLst>
+                  <a:ext uri="{0D108BD9-81ED-4DB2-BD59-A6C34878D82A}">
+                    <a16:rowId xmlns:a16="http://schemas.microsoft.com/office/drawing/2014/main" val="1295062444"/>
+                  </a:ext>
+                </a:extLst>
+              </a:tr>
+              <a:tr h="499946">
+                <a:tc>
+                  <a:txBody>
+                    <a:bodyPr/>
+                    <a:lstStyle/>
+                    <a:p>
+                      <a:r>
+                        <a:rPr lang="en-US" altLang="zh-CN" dirty="0"/>
+                        <a:t>...</a:t>
+                      </a:r>
+                      <a:endParaRPr lang="zh-CN" altLang="en-US" dirty="0"/>
+                    </a:p>
+                  </a:txBody>
+                  <a:tcPr/>
+                </a:tc>
+                <a:extLst>
+                  <a:ext uri="{0D108BD9-81ED-4DB2-BD59-A6C34878D82A}">
+                    <a16:rowId xmlns:a16="http://schemas.microsoft.com/office/drawing/2014/main" val="1632070145"/>
+                  </a:ext>
+                </a:extLst>
+              </a:tr>
+            </a:tbl>
+          </a:graphicData>
+        </a:graphic>
+      </p:graphicFrame>
+      <p:sp>
+        <p:nvSpPr>
+          <p:cNvPr id="13" name="矩形 12">
+            <a:extLst>
+              <a:ext uri="{FF2B5EF4-FFF2-40B4-BE49-F238E27FC236}">
+                <a16:creationId xmlns:a16="http://schemas.microsoft.com/office/drawing/2014/main" id="{58FB7092-CA5E-A54C-9A69-CBF9A36915AA}"/>
+              </a:ext>
+            </a:extLst>
+          </p:cNvPr>
+          <p:cNvSpPr/>
+          <p:nvPr/>
+        </p:nvSpPr>
+        <p:spPr>
+          <a:xfrm>
+            <a:off x="6924119" y="2485515"/>
+            <a:ext cx="4001179" cy="2620874"/>
+          </a:xfrm>
+          <a:prstGeom prst="rect">
+            <a:avLst/>
+          </a:prstGeom>
+        </p:spPr>
+        <p:style>
+          <a:lnRef idx="2">
+            <a:schemeClr val="accent1">
+              <a:shade val="50000"/>
+            </a:schemeClr>
+          </a:lnRef>
+          <a:fillRef idx="1">
+            <a:schemeClr val="accent1"/>
+          </a:fillRef>
+          <a:effectRef idx="0">
+            <a:schemeClr val="accent1"/>
+          </a:effectRef>
+          <a:fontRef idx="minor">
+            <a:schemeClr val="lt1"/>
+          </a:fontRef>
+        </p:style>
+        <p:txBody>
+          <a:bodyPr rtlCol="0" anchor="ctr"/>
+          <a:lstStyle/>
+          <a:p>
+            <a:pPr algn="ctr"/>
+            <a:endParaRPr kumimoji="1" lang="zh-CN" altLang="en-US"/>
+          </a:p>
+        </p:txBody>
+      </p:sp>
+      <p:graphicFrame>
+        <p:nvGraphicFramePr>
+          <p:cNvPr id="8" name="表格 7">
+            <a:extLst>
+              <a:ext uri="{FF2B5EF4-FFF2-40B4-BE49-F238E27FC236}">
+                <a16:creationId xmlns:a16="http://schemas.microsoft.com/office/drawing/2014/main" id="{CEF1B4CC-E55E-6347-B60A-B68EE20A26F1}"/>
+              </a:ext>
+            </a:extLst>
+          </p:cNvPr>
+          <p:cNvGraphicFramePr>
+            <a:graphicFrameLocks noGrp="1"/>
+          </p:cNvGraphicFramePr>
+          <p:nvPr>
+            <p:extLst>
+              <p:ext uri="{D42A27DB-BD31-4B8C-83A1-F6EECF244321}">
+                <p14:modId xmlns:p14="http://schemas.microsoft.com/office/powerpoint/2010/main" val="227261018"/>
+              </p:ext>
+            </p:extLst>
+          </p:nvPr>
+        </p:nvGraphicFramePr>
+        <p:xfrm>
+          <a:off x="8158348" y="2956956"/>
+          <a:ext cx="1199408" cy="383389"/>
+        </p:xfrm>
+        <a:graphic>
+          <a:graphicData uri="http://schemas.openxmlformats.org/drawingml/2006/table">
+            <a:tbl>
+              <a:tblPr firstRow="1" bandRow="1">
+                <a:tableStyleId>{5C22544A-7EE6-4342-B048-85BDC9FD1C3A}</a:tableStyleId>
+              </a:tblPr>
+              <a:tblGrid>
+                <a:gridCol w="1199408">
+                  <a:extLst>
+                    <a:ext uri="{9D8B030D-6E8A-4147-A177-3AD203B41FA5}">
+                      <a16:colId xmlns:a16="http://schemas.microsoft.com/office/drawing/2014/main" val="1840892257"/>
+                    </a:ext>
+                  </a:extLst>
+                </a:gridCol>
+              </a:tblGrid>
+              <a:tr h="383389">
+                <a:tc>
+                  <a:txBody>
+                    <a:bodyPr/>
+                    <a:lstStyle/>
+                    <a:p>
+                      <a:r>
+                        <a:rPr lang="en-US" altLang="zh-CN" dirty="0"/>
+                        <a:t>good</a:t>
+                      </a:r>
+                      <a:endParaRPr lang="zh-CN" altLang="en-US" dirty="0"/>
+                    </a:p>
+                  </a:txBody>
+                  <a:tcPr/>
+                </a:tc>
+                <a:extLst>
+                  <a:ext uri="{0D108BD9-81ED-4DB2-BD59-A6C34878D82A}">
+                    <a16:rowId xmlns:a16="http://schemas.microsoft.com/office/drawing/2014/main" val="3230628860"/>
+                  </a:ext>
+                </a:extLst>
+              </a:tr>
+            </a:tbl>
+          </a:graphicData>
+        </a:graphic>
+      </p:graphicFrame>
+      <p:graphicFrame>
+        <p:nvGraphicFramePr>
+          <p:cNvPr id="9" name="表格 8">
+            <a:extLst>
+              <a:ext uri="{FF2B5EF4-FFF2-40B4-BE49-F238E27FC236}">
+                <a16:creationId xmlns:a16="http://schemas.microsoft.com/office/drawing/2014/main" id="{F54ECFD7-818D-E445-8824-9F49C66C2F5E}"/>
+              </a:ext>
+            </a:extLst>
+          </p:cNvPr>
+          <p:cNvGraphicFramePr>
+            <a:graphicFrameLocks noGrp="1"/>
+          </p:cNvGraphicFramePr>
+          <p:nvPr>
+            <p:extLst>
+              <p:ext uri="{D42A27DB-BD31-4B8C-83A1-F6EECF244321}">
+                <p14:modId xmlns:p14="http://schemas.microsoft.com/office/powerpoint/2010/main" val="1922864722"/>
+              </p:ext>
+            </p:extLst>
+          </p:nvPr>
+        </p:nvGraphicFramePr>
+        <p:xfrm>
+          <a:off x="7837715" y="3751589"/>
+          <a:ext cx="2239160" cy="544241"/>
+        </p:xfrm>
+        <a:graphic>
+          <a:graphicData uri="http://schemas.openxmlformats.org/drawingml/2006/table">
+            <a:tbl>
+              <a:tblPr firstRow="1" bandRow="1">
+                <a:tableStyleId>{5C22544A-7EE6-4342-B048-85BDC9FD1C3A}</a:tableStyleId>
+              </a:tblPr>
+              <a:tblGrid>
+                <a:gridCol w="559790">
+                  <a:extLst>
+                    <a:ext uri="{9D8B030D-6E8A-4147-A177-3AD203B41FA5}">
+                      <a16:colId xmlns:a16="http://schemas.microsoft.com/office/drawing/2014/main" val="1265417272"/>
+                    </a:ext>
+                  </a:extLst>
+                </a:gridCol>
+                <a:gridCol w="559790">
+                  <a:extLst>
+                    <a:ext uri="{9D8B030D-6E8A-4147-A177-3AD203B41FA5}">
+                      <a16:colId xmlns:a16="http://schemas.microsoft.com/office/drawing/2014/main" val="1479511550"/>
+                    </a:ext>
+                  </a:extLst>
+                </a:gridCol>
+                <a:gridCol w="559790">
+                  <a:extLst>
+                    <a:ext uri="{9D8B030D-6E8A-4147-A177-3AD203B41FA5}">
+                      <a16:colId xmlns:a16="http://schemas.microsoft.com/office/drawing/2014/main" val="1402796275"/>
+                    </a:ext>
+                  </a:extLst>
+                </a:gridCol>
+                <a:gridCol w="559790">
+                  <a:extLst>
+                    <a:ext uri="{9D8B030D-6E8A-4147-A177-3AD203B41FA5}">
+                      <a16:colId xmlns:a16="http://schemas.microsoft.com/office/drawing/2014/main" val="1237170108"/>
+                    </a:ext>
+                  </a:extLst>
+                </a:gridCol>
+              </a:tblGrid>
+              <a:tr h="544241">
+                <a:tc>
+                  <a:txBody>
+                    <a:bodyPr/>
+                    <a:lstStyle/>
+                    <a:p>
+                      <a:r>
+                        <a:rPr lang="en-US" altLang="zh-CN" dirty="0"/>
+                        <a:t>t</a:t>
+                      </a:r>
+                      <a:endParaRPr lang="zh-CN" altLang="en-US" dirty="0"/>
+                    </a:p>
+                  </a:txBody>
+                  <a:tcPr/>
+                </a:tc>
+                <a:tc>
+                  <a:txBody>
+                    <a:bodyPr/>
+                    <a:lstStyle/>
+                    <a:p>
+                      <a:r>
+                        <a:rPr lang="en-US" altLang="zh-CN" dirty="0"/>
+                        <a:t>e</a:t>
+                      </a:r>
+                      <a:endParaRPr lang="zh-CN" altLang="en-US" dirty="0"/>
+                    </a:p>
+                  </a:txBody>
+                  <a:tcPr/>
+                </a:tc>
+                <a:tc>
+                  <a:txBody>
+                    <a:bodyPr/>
+                    <a:lstStyle/>
+                    <a:p>
+                      <a:r>
+                        <a:rPr lang="en-US" altLang="zh-CN" dirty="0"/>
+                        <a:t>s</a:t>
+                      </a:r>
+                      <a:endParaRPr lang="zh-CN" altLang="en-US" dirty="0"/>
+                    </a:p>
+                  </a:txBody>
+                  <a:tcPr/>
+                </a:tc>
+                <a:tc>
+                  <a:txBody>
+                    <a:bodyPr/>
+                    <a:lstStyle/>
+                    <a:p>
+                      <a:r>
+                        <a:rPr lang="en-US" altLang="zh-CN" dirty="0"/>
+                        <a:t>t</a:t>
+                      </a:r>
+                      <a:endParaRPr lang="zh-CN" altLang="en-US" dirty="0"/>
+                    </a:p>
+                  </a:txBody>
+                  <a:tcPr/>
+                </a:tc>
+                <a:extLst>
+                  <a:ext uri="{0D108BD9-81ED-4DB2-BD59-A6C34878D82A}">
+                    <a16:rowId xmlns:a16="http://schemas.microsoft.com/office/drawing/2014/main" val="3704552979"/>
+                  </a:ext>
+                </a:extLst>
+              </a:tr>
+            </a:tbl>
+          </a:graphicData>
+        </a:graphic>
+      </p:graphicFrame>
+      <p:sp>
+        <p:nvSpPr>
+          <p:cNvPr id="12" name="矩形 11">
+            <a:extLst>
+              <a:ext uri="{FF2B5EF4-FFF2-40B4-BE49-F238E27FC236}">
+                <a16:creationId xmlns:a16="http://schemas.microsoft.com/office/drawing/2014/main" id="{21C2B4D3-30AD-6649-8FF3-D154F20D64E7}"/>
+              </a:ext>
+            </a:extLst>
+          </p:cNvPr>
+          <p:cNvSpPr/>
+          <p:nvPr/>
+        </p:nvSpPr>
+        <p:spPr>
+          <a:xfrm>
+            <a:off x="6107875" y="4884595"/>
+            <a:ext cx="877163" cy="923330"/>
+          </a:xfrm>
+          <a:prstGeom prst="rect">
+            <a:avLst/>
+          </a:prstGeom>
+          <a:noFill/>
+        </p:spPr>
+        <p:txBody>
+          <a:bodyPr wrap="none" lIns="91440" tIns="45720" rIns="91440" bIns="45720">
+            <a:spAutoFit/>
+          </a:bodyPr>
+          <a:lstStyle/>
+          <a:p>
+            <a:pPr algn="ctr"/>
+            <a:r>
+              <a:rPr lang="zh-CN" altLang="en-US" sz="5400" b="0" cap="none" spc="0" dirty="0">
+                <a:ln w="0"/>
+                <a:solidFill>
+                  <a:schemeClr val="tx1"/>
+                </a:solidFill>
+                <a:effectLst>
+                  <a:outerShdw blurRad="38100" dist="19050" dir="2700000" algn="tl" rotWithShape="0">
+                    <a:schemeClr val="dk1">
+                      <a:alpha val="40000"/>
+                    </a:schemeClr>
+                  </a:outerShdw>
+                </a:effectLst>
+              </a:rPr>
+              <a:t>堆</a:t>
+            </a:r>
+          </a:p>
+        </p:txBody>
+      </p:sp>
+      <p:cxnSp>
+        <p:nvCxnSpPr>
+          <p:cNvPr id="15" name="直线箭头连接符 14">
+            <a:extLst>
+              <a:ext uri="{FF2B5EF4-FFF2-40B4-BE49-F238E27FC236}">
+                <a16:creationId xmlns:a16="http://schemas.microsoft.com/office/drawing/2014/main" id="{D18BA093-9407-764C-A439-4D9569B3C522}"/>
+              </a:ext>
+            </a:extLst>
+          </p:cNvPr>
+          <p:cNvCxnSpPr>
+            <a:cxnSpLocks/>
+            <a:endCxn id="8" idx="1"/>
+          </p:cNvCxnSpPr>
+          <p:nvPr/>
+        </p:nvCxnSpPr>
+        <p:spPr>
+          <a:xfrm flipV="1">
+            <a:off x="5248893" y="3148650"/>
+            <a:ext cx="2909455" cy="323601"/>
+          </a:xfrm>
+          <a:prstGeom prst="straightConnector1">
+            <a:avLst/>
+          </a:prstGeom>
+          <a:ln>
+            <a:tailEnd type="triangle"/>
+          </a:ln>
+        </p:spPr>
+        <p:style>
+          <a:lnRef idx="3">
+            <a:schemeClr val="dk1"/>
+          </a:lnRef>
+          <a:fillRef idx="0">
+            <a:schemeClr val="dk1"/>
+          </a:fillRef>
+          <a:effectRef idx="2">
+            <a:schemeClr val="dk1"/>
+          </a:effectRef>
+          <a:fontRef idx="minor">
+            <a:schemeClr val="tx1"/>
+          </a:fontRef>
+        </p:style>
+      </p:cxnSp>
+      <p:cxnSp>
+        <p:nvCxnSpPr>
+          <p:cNvPr id="17" name="直线箭头连接符 16">
+            <a:extLst>
+              <a:ext uri="{FF2B5EF4-FFF2-40B4-BE49-F238E27FC236}">
+                <a16:creationId xmlns:a16="http://schemas.microsoft.com/office/drawing/2014/main" id="{4FB56431-CE22-4D46-87A7-4ACF9D0F5837}"/>
+              </a:ext>
+            </a:extLst>
+          </p:cNvPr>
+          <p:cNvCxnSpPr>
+            <a:cxnSpLocks/>
+            <a:endCxn id="9" idx="1"/>
+          </p:cNvCxnSpPr>
+          <p:nvPr/>
+        </p:nvCxnSpPr>
+        <p:spPr>
+          <a:xfrm>
+            <a:off x="4958607" y="3909949"/>
+            <a:ext cx="2879108" cy="113760"/>
+          </a:xfrm>
+          <a:prstGeom prst="straightConnector1">
+            <a:avLst/>
+          </a:prstGeom>
+          <a:ln>
+            <a:tailEnd type="triangle"/>
+          </a:ln>
+        </p:spPr>
+        <p:style>
+          <a:lnRef idx="3">
+            <a:schemeClr val="dk1"/>
+          </a:lnRef>
+          <a:fillRef idx="0">
+            <a:schemeClr val="dk1"/>
+          </a:fillRef>
+          <a:effectRef idx="2">
+            <a:schemeClr val="dk1"/>
+          </a:effectRef>
+          <a:fontRef idx="minor">
+            <a:schemeClr val="tx1"/>
+          </a:fontRef>
+        </p:style>
+      </p:cxnSp>
+      <p:sp>
+        <p:nvSpPr>
+          <p:cNvPr id="20" name="矩形 19">
+            <a:extLst>
+              <a:ext uri="{FF2B5EF4-FFF2-40B4-BE49-F238E27FC236}">
+                <a16:creationId xmlns:a16="http://schemas.microsoft.com/office/drawing/2014/main" id="{E76BF0AB-6A45-6348-B321-1A2446E9F72A}"/>
+              </a:ext>
+            </a:extLst>
+          </p:cNvPr>
+          <p:cNvSpPr/>
+          <p:nvPr/>
+        </p:nvSpPr>
+        <p:spPr>
+          <a:xfrm>
+            <a:off x="308251" y="4884595"/>
+            <a:ext cx="2954655" cy="923330"/>
+          </a:xfrm>
+          <a:prstGeom prst="rect">
+            <a:avLst/>
+          </a:prstGeom>
+          <a:noFill/>
+        </p:spPr>
+        <p:txBody>
+          <a:bodyPr wrap="none" lIns="91440" tIns="45720" rIns="91440" bIns="45720">
+            <a:spAutoFit/>
+          </a:bodyPr>
+          <a:lstStyle/>
+          <a:p>
+            <a:pPr algn="ctr"/>
+            <a:r>
+              <a:rPr lang="zh-CN" altLang="en-US" sz="5400" b="0" cap="none" spc="0" dirty="0">
+                <a:ln w="0"/>
+                <a:solidFill>
+                  <a:schemeClr val="tx1"/>
+                </a:solidFill>
+                <a:effectLst>
+                  <a:outerShdw blurRad="38100" dist="19050" dir="2700000" algn="tl" rotWithShape="0">
+                    <a:schemeClr val="dk1">
+                      <a:alpha val="40000"/>
+                    </a:schemeClr>
+                  </a:outerShdw>
+                </a:effectLst>
+              </a:rPr>
+              <a:t>虚拟机栈</a:t>
+            </a:r>
+            <a:endParaRPr lang="en-US" altLang="zh-CN" sz="5400" b="0" cap="none" spc="0" dirty="0">
+              <a:ln w="0"/>
+              <a:solidFill>
+                <a:schemeClr val="tx1"/>
+              </a:solidFill>
+              <a:effectLst>
+                <a:outerShdw blurRad="38100" dist="19050" dir="2700000" algn="tl" rotWithShape="0">
+                  <a:schemeClr val="dk1">
+                    <a:alpha val="40000"/>
+                  </a:schemeClr>
+                </a:outerShdw>
+              </a:effectLst>
+            </a:endParaRPr>
+          </a:p>
+        </p:txBody>
+      </p:sp>
+      <p:cxnSp>
+        <p:nvCxnSpPr>
+          <p:cNvPr id="21" name="直线箭头连接符 20">
+            <a:extLst>
+              <a:ext uri="{FF2B5EF4-FFF2-40B4-BE49-F238E27FC236}">
+                <a16:creationId xmlns:a16="http://schemas.microsoft.com/office/drawing/2014/main" id="{9A032F97-1E20-6A4D-A4EE-3EFF842BA94C}"/>
+              </a:ext>
+            </a:extLst>
+          </p:cNvPr>
+          <p:cNvCxnSpPr>
+            <a:cxnSpLocks/>
+          </p:cNvCxnSpPr>
+          <p:nvPr/>
+        </p:nvCxnSpPr>
+        <p:spPr>
+          <a:xfrm>
+            <a:off x="1903350" y="3280558"/>
+            <a:ext cx="2479964" cy="59787"/>
+          </a:xfrm>
+          <a:prstGeom prst="straightConnector1">
+            <a:avLst/>
+          </a:prstGeom>
+          <a:ln>
+            <a:tailEnd type="triangle"/>
+          </a:ln>
+        </p:spPr>
+        <p:style>
+          <a:lnRef idx="3">
+            <a:schemeClr val="dk1"/>
+          </a:lnRef>
+          <a:fillRef idx="0">
+            <a:schemeClr val="dk1"/>
+          </a:fillRef>
+          <a:effectRef idx="2">
+            <a:schemeClr val="dk1"/>
+          </a:effectRef>
+          <a:fontRef idx="minor">
+            <a:schemeClr val="tx1"/>
+          </a:fontRef>
+        </p:style>
+      </p:cxnSp>
+      <p:cxnSp>
+        <p:nvCxnSpPr>
+          <p:cNvPr id="23" name="直线箭头连接符 22">
+            <a:extLst>
+              <a:ext uri="{FF2B5EF4-FFF2-40B4-BE49-F238E27FC236}">
+                <a16:creationId xmlns:a16="http://schemas.microsoft.com/office/drawing/2014/main" id="{B41B43D1-F450-9D4B-9A23-D966B8A72914}"/>
+              </a:ext>
+            </a:extLst>
+          </p:cNvPr>
+          <p:cNvCxnSpPr>
+            <a:cxnSpLocks/>
+          </p:cNvCxnSpPr>
+          <p:nvPr/>
+        </p:nvCxnSpPr>
+        <p:spPr>
+          <a:xfrm>
+            <a:off x="1939490" y="3924081"/>
+            <a:ext cx="2479964" cy="59787"/>
+          </a:xfrm>
+          <a:prstGeom prst="straightConnector1">
+            <a:avLst/>
+          </a:prstGeom>
+          <a:ln>
+            <a:tailEnd type="triangle"/>
+          </a:ln>
+        </p:spPr>
+        <p:style>
+          <a:lnRef idx="3">
+            <a:schemeClr val="dk1"/>
+          </a:lnRef>
+          <a:fillRef idx="0">
+            <a:schemeClr val="dk1"/>
+          </a:fillRef>
+          <a:effectRef idx="2">
+            <a:schemeClr val="dk1"/>
+          </a:effectRef>
+          <a:fontRef idx="minor">
+            <a:schemeClr val="tx1"/>
+          </a:fontRef>
+        </p:style>
+      </p:cxnSp>
+      <p:sp>
+        <p:nvSpPr>
+          <p:cNvPr id="24" name="矩形 23">
+            <a:extLst>
+              <a:ext uri="{FF2B5EF4-FFF2-40B4-BE49-F238E27FC236}">
+                <a16:creationId xmlns:a16="http://schemas.microsoft.com/office/drawing/2014/main" id="{CA9A9162-2856-CB42-B775-A97915FE777B}"/>
+              </a:ext>
+            </a:extLst>
+          </p:cNvPr>
+          <p:cNvSpPr/>
+          <p:nvPr/>
+        </p:nvSpPr>
+        <p:spPr>
+          <a:xfrm>
+            <a:off x="7678213" y="4383908"/>
+            <a:ext cx="2492990" cy="646331"/>
+          </a:xfrm>
+          <a:prstGeom prst="rect">
+            <a:avLst/>
+          </a:prstGeom>
+          <a:noFill/>
+        </p:spPr>
+        <p:txBody>
+          <a:bodyPr wrap="none" lIns="91440" tIns="45720" rIns="91440" bIns="45720">
+            <a:spAutoFit/>
+          </a:bodyPr>
+          <a:lstStyle/>
+          <a:p>
+            <a:pPr algn="ctr"/>
+            <a:r>
+              <a:rPr lang="zh-CN" altLang="en-US" sz="3600" b="0" cap="none" spc="0" dirty="0">
+                <a:ln w="0"/>
+                <a:solidFill>
+                  <a:schemeClr val="tx1"/>
+                </a:solidFill>
+                <a:effectLst>
+                  <a:outerShdw blurRad="38100" dist="19050" dir="2700000" algn="tl" rotWithShape="0">
+                    <a:schemeClr val="dk1">
+                      <a:alpha val="40000"/>
+                    </a:schemeClr>
+                  </a:outerShdw>
+                </a:effectLst>
+              </a:rPr>
+              <a:t>运行常量池</a:t>
+            </a:r>
+          </a:p>
+        </p:txBody>
+      </p:sp>
+      <p:cxnSp>
+        <p:nvCxnSpPr>
+          <p:cNvPr id="25" name="直线箭头连接符 24">
+            <a:extLst>
+              <a:ext uri="{FF2B5EF4-FFF2-40B4-BE49-F238E27FC236}">
+                <a16:creationId xmlns:a16="http://schemas.microsoft.com/office/drawing/2014/main" id="{34B87999-6CC9-1F46-8B81-0A9EAE510AF1}"/>
+              </a:ext>
+            </a:extLst>
+          </p:cNvPr>
+          <p:cNvCxnSpPr>
+            <a:cxnSpLocks/>
+          </p:cNvCxnSpPr>
+          <p:nvPr/>
+        </p:nvCxnSpPr>
+        <p:spPr>
+          <a:xfrm flipV="1">
+            <a:off x="1903350" y="1942472"/>
+            <a:ext cx="3293155" cy="1206178"/>
+          </a:xfrm>
+          <a:prstGeom prst="straightConnector1">
+            <a:avLst/>
+          </a:prstGeom>
+          <a:ln cap="flat">
+            <a:tailEnd type="triangle"/>
+          </a:ln>
+        </p:spPr>
+        <p:style>
+          <a:lnRef idx="3">
+            <a:schemeClr val="dk1"/>
+          </a:lnRef>
+          <a:fillRef idx="0">
+            <a:schemeClr val="dk1"/>
+          </a:fillRef>
+          <a:effectRef idx="2">
+            <a:schemeClr val="dk1"/>
+          </a:effectRef>
+          <a:fontRef idx="minor">
+            <a:schemeClr val="tx1"/>
+          </a:fontRef>
+        </p:style>
+      </p:cxnSp>
+      <p:cxnSp>
+        <p:nvCxnSpPr>
+          <p:cNvPr id="28" name="直线箭头连接符 27">
+            <a:extLst>
+              <a:ext uri="{FF2B5EF4-FFF2-40B4-BE49-F238E27FC236}">
+                <a16:creationId xmlns:a16="http://schemas.microsoft.com/office/drawing/2014/main" id="{70B23C00-C5EF-2540-BE5C-2D40D4849D4A}"/>
+              </a:ext>
+            </a:extLst>
+          </p:cNvPr>
+          <p:cNvCxnSpPr>
+            <a:cxnSpLocks/>
+            <a:endCxn id="31" idx="1"/>
+          </p:cNvCxnSpPr>
+          <p:nvPr/>
+        </p:nvCxnSpPr>
+        <p:spPr>
+          <a:xfrm>
+            <a:off x="5103189" y="1943130"/>
+            <a:ext cx="3055159" cy="785756"/>
+          </a:xfrm>
+          <a:prstGeom prst="straightConnector1">
+            <a:avLst/>
+          </a:prstGeom>
+          <a:ln cap="flat">
+            <a:tailEnd type="triangle"/>
+          </a:ln>
+        </p:spPr>
+        <p:style>
+          <a:lnRef idx="3">
+            <a:schemeClr val="dk1"/>
+          </a:lnRef>
+          <a:fillRef idx="0">
+            <a:schemeClr val="dk1"/>
+          </a:fillRef>
+          <a:effectRef idx="2">
+            <a:schemeClr val="dk1"/>
+          </a:effectRef>
+          <a:fontRef idx="minor">
+            <a:schemeClr val="tx1"/>
+          </a:fontRef>
+        </p:style>
+      </p:cxnSp>
+      <p:graphicFrame>
+        <p:nvGraphicFramePr>
+          <p:cNvPr id="31" name="表格 30">
+            <a:extLst>
+              <a:ext uri="{FF2B5EF4-FFF2-40B4-BE49-F238E27FC236}">
+                <a16:creationId xmlns:a16="http://schemas.microsoft.com/office/drawing/2014/main" id="{E8F300C4-0441-DA4C-B177-6641254CD5FB}"/>
+              </a:ext>
+            </a:extLst>
+          </p:cNvPr>
+          <p:cNvGraphicFramePr>
+            <a:graphicFrameLocks noGrp="1"/>
+          </p:cNvGraphicFramePr>
+          <p:nvPr>
+            <p:extLst>
+              <p:ext uri="{D42A27DB-BD31-4B8C-83A1-F6EECF244321}">
+                <p14:modId xmlns:p14="http://schemas.microsoft.com/office/powerpoint/2010/main" val="2399061548"/>
+              </p:ext>
+            </p:extLst>
+          </p:nvPr>
+        </p:nvGraphicFramePr>
+        <p:xfrm>
+          <a:off x="8158348" y="2537192"/>
+          <a:ext cx="1199408" cy="383389"/>
+        </p:xfrm>
+        <a:graphic>
+          <a:graphicData uri="http://schemas.openxmlformats.org/drawingml/2006/table">
+            <a:tbl>
+              <a:tblPr firstRow="1" bandRow="1">
+                <a:tableStyleId>{5C22544A-7EE6-4342-B048-85BDC9FD1C3A}</a:tableStyleId>
+              </a:tblPr>
+              <a:tblGrid>
+                <a:gridCol w="1199408">
+                  <a:extLst>
+                    <a:ext uri="{9D8B030D-6E8A-4147-A177-3AD203B41FA5}">
+                      <a16:colId xmlns:a16="http://schemas.microsoft.com/office/drawing/2014/main" val="1840892257"/>
+                    </a:ext>
+                  </a:extLst>
+                </a:gridCol>
+              </a:tblGrid>
+              <a:tr h="383389">
+                <a:tc>
+                  <a:txBody>
+                    <a:bodyPr/>
+                    <a:lstStyle/>
+                    <a:p>
+                      <a:r>
+                        <a:rPr lang="en-US" altLang="zh-CN" dirty="0"/>
+                        <a:t>test</a:t>
+                      </a:r>
+                      <a:r>
+                        <a:rPr lang="zh-CN" altLang="en-US" dirty="0"/>
+                        <a:t> </a:t>
+                      </a:r>
+                      <a:r>
+                        <a:rPr lang="en-US" altLang="zh-CN" dirty="0"/>
+                        <a:t>ok</a:t>
+                      </a:r>
+                    </a:p>
+                  </a:txBody>
+                  <a:tcPr/>
+                </a:tc>
+                <a:extLst>
+                  <a:ext uri="{0D108BD9-81ED-4DB2-BD59-A6C34878D82A}">
+                    <a16:rowId xmlns:a16="http://schemas.microsoft.com/office/drawing/2014/main" val="3230628860"/>
+                  </a:ext>
+                </a:extLst>
+              </a:tr>
+            </a:tbl>
+          </a:graphicData>
+        </a:graphic>
+      </p:graphicFrame>
+      <p:sp>
+        <p:nvSpPr>
+          <p:cNvPr id="33" name="文本框 32">
+            <a:extLst>
+              <a:ext uri="{FF2B5EF4-FFF2-40B4-BE49-F238E27FC236}">
+                <a16:creationId xmlns:a16="http://schemas.microsoft.com/office/drawing/2014/main" id="{9B933F69-174B-0446-91A6-23A88755E57F}"/>
+              </a:ext>
+            </a:extLst>
+          </p:cNvPr>
+          <p:cNvSpPr txBox="1"/>
+          <p:nvPr/>
+        </p:nvSpPr>
+        <p:spPr>
+          <a:xfrm>
+            <a:off x="2524236" y="3029938"/>
+            <a:ext cx="306494" cy="369332"/>
+          </a:xfrm>
+          <a:prstGeom prst="rect">
+            <a:avLst/>
+          </a:prstGeom>
+          <a:noFill/>
+        </p:spPr>
+        <p:txBody>
+          <a:bodyPr wrap="none" rtlCol="0">
+            <a:spAutoFit/>
+          </a:bodyPr>
+          <a:lstStyle/>
+          <a:p>
+            <a:r>
+              <a:rPr kumimoji="1" lang="en-US" altLang="zh-CN" dirty="0"/>
+              <a:t>1</a:t>
+            </a:r>
+            <a:endParaRPr kumimoji="1" lang="zh-CN" altLang="en-US" dirty="0"/>
+          </a:p>
+        </p:txBody>
+      </p:sp>
+      <p:sp>
+        <p:nvSpPr>
+          <p:cNvPr id="34" name="文本框 33">
+            <a:extLst>
+              <a:ext uri="{FF2B5EF4-FFF2-40B4-BE49-F238E27FC236}">
+                <a16:creationId xmlns:a16="http://schemas.microsoft.com/office/drawing/2014/main" id="{02B3685D-175E-7147-BD2B-7A95960ADC2A}"/>
+              </a:ext>
+            </a:extLst>
+          </p:cNvPr>
+          <p:cNvSpPr txBox="1"/>
+          <p:nvPr/>
+        </p:nvSpPr>
+        <p:spPr>
+          <a:xfrm>
+            <a:off x="2244699" y="2556745"/>
+            <a:ext cx="306494" cy="369332"/>
+          </a:xfrm>
+          <a:prstGeom prst="rect">
+            <a:avLst/>
+          </a:prstGeom>
+          <a:noFill/>
+        </p:spPr>
+        <p:txBody>
+          <a:bodyPr wrap="none" rtlCol="0">
+            <a:spAutoFit/>
+          </a:bodyPr>
+          <a:lstStyle/>
+          <a:p>
+            <a:r>
+              <a:rPr kumimoji="1" lang="en-US" altLang="zh-CN" dirty="0"/>
+              <a:t>2</a:t>
+            </a:r>
+            <a:endParaRPr kumimoji="1" lang="zh-CN" altLang="en-US" dirty="0"/>
+          </a:p>
+        </p:txBody>
+      </p:sp>
+    </p:spTree>
+    <p:extLst>
+      <p:ext uri="{BB962C8B-B14F-4D97-AF65-F5344CB8AC3E}">
+        <p14:creationId xmlns:p14="http://schemas.microsoft.com/office/powerpoint/2010/main" val="3716634878"/>
+      </p:ext>
+    </p:extLst>
+  </p:cSld>
+  <p:clrMapOvr>
+    <a:masterClrMapping/>
+  </p:clrMapOvr>
+</p:sld>
+</file>
+
 <file path=ppt/theme/theme1.xml><?xml version="1.0" encoding="utf-8"?>
 <a:theme xmlns:a="http://schemas.openxmlformats.org/drawingml/2006/main" name="Office 主题​​">
   <a:themeElements>
